--- a/presentation/Mystique_GetDriverCardApp.pptx
+++ b/presentation/Mystique_GetDriverCardApp.pptx
@@ -3124,7 +3124,11 @@
           <a:p>
             <a:r>
               <a:rPr lang="en-US" dirty="0" smtClean="0"/>
-              <a:t>Welcome to Get My Driver Card (demo)</a:t>
+              <a:t>Get </a:t>
+            </a:r>
+            <a:r>
+              <a:rPr lang="en-US" dirty="0" smtClean="0"/>
+              <a:t>My Driver Card (demo)</a:t>
             </a:r>
             <a:endParaRPr lang="en-US" dirty="0"/>
           </a:p>
